--- a/SpringRestHibernate/Documents/Medical Prescription Abuse Prevention.pptx
+++ b/SpringRestHibernate/Documents/Medical Prescription Abuse Prevention.pptx
@@ -113,6 +113,22 @@
       </a:defRPr>
     </a:lvl9pPr>
   </p:defaultTextStyle>
+  <p:extLst>
+    <p:ext uri="{EFAFB233-063F-42B5-8137-9DF3F51BA10A}">
+      <p15:sldGuideLst xmlns:p15="http://schemas.microsoft.com/office/powerpoint/2012/main">
+        <p15:guide id="1" orient="horz" pos="2160">
+          <p15:clr>
+            <a:srgbClr val="A4A3A4"/>
+          </p15:clr>
+        </p15:guide>
+        <p15:guide id="2" pos="2880">
+          <p15:clr>
+            <a:srgbClr val="A4A3A4"/>
+          </p15:clr>
+        </p15:guide>
+      </p15:sldGuideLst>
+    </p:ext>
+  </p:extLst>
 </p:presentation>
 </file>
 
@@ -198,7 +214,7 @@
           <a:p>
             <a:fld id="{40A47578-DDC6-4318-87AA-C41F81CD7EF8}" type="datetimeFigureOut">
               <a:rPr lang="en-IN" smtClean="0"/>
-              <a:t>01-12-2018</a:t>
+              <a:t>02-12-2018</a:t>
             </a:fld>
             <a:endParaRPr lang="en-IN"/>
           </a:p>
@@ -510,7 +526,60 @@
           <a:bodyPr/>
           <a:lstStyle/>
           <a:p>
-            <a:endParaRPr lang="en-IN"/>
+            <a:pPr marL="0" marR="0" lvl="0" indent="0" algn="l" defTabSz="914400" rtl="0" eaLnBrk="1" fontAlgn="auto" latinLnBrk="0" hangingPunct="1">
+              <a:lnSpc>
+                <a:spcPct val="100000"/>
+              </a:lnSpc>
+              <a:spcBef>
+                <a:spcPts val="0"/>
+              </a:spcBef>
+              <a:spcAft>
+                <a:spcPts val="0"/>
+              </a:spcAft>
+              <a:buClrTx/>
+              <a:buSzTx/>
+              <a:buFontTx/>
+              <a:buNone/>
+              <a:tabLst/>
+              <a:defRPr/>
+            </a:pPr>
+            <a:r>
+              <a:rPr lang="en-IN" dirty="0" smtClean="0"/>
+              <a:t>Patients are using medical prescription to get medications beyond the intended dosage because they are able to use the prescription with multiple </a:t>
+            </a:r>
+            <a:r>
+              <a:rPr lang="en-IN" dirty="0" err="1" smtClean="0"/>
+              <a:t>pharmacies.At</a:t>
+            </a:r>
+            <a:r>
+              <a:rPr lang="en-IN" dirty="0" smtClean="0"/>
+              <a:t> present the pharmacies do not know how of medication in a prescription has already been purchased by the </a:t>
+            </a:r>
+            <a:r>
+              <a:rPr lang="en-IN" dirty="0" err="1" smtClean="0"/>
+              <a:t>patient.This</a:t>
+            </a:r>
+            <a:r>
+              <a:rPr lang="en-IN" dirty="0" smtClean="0"/>
+              <a:t> not only reduces the effectiveness of treatment but also increase side effects and also insurance companies suffer losses as they pay the medication bills for </a:t>
+            </a:r>
+            <a:r>
+              <a:rPr lang="en-IN" dirty="0" err="1" smtClean="0"/>
+              <a:t>patients.How</a:t>
+            </a:r>
+            <a:r>
+              <a:rPr lang="en-IN" dirty="0" smtClean="0"/>
+              <a:t> to detect or prevent this </a:t>
+            </a:r>
+            <a:r>
+              <a:rPr lang="en-IN" dirty="0" err="1" smtClean="0"/>
+              <a:t>abuse?So</a:t>
+            </a:r>
+            <a:r>
+              <a:rPr lang="en-IN" dirty="0" smtClean="0"/>
+              <a:t> it is pharmacy centric only...</a:t>
+            </a:r>
+            <a:endParaRPr lang="en-IN" dirty="0"/>
           </a:p>
         </p:txBody>
       </p:sp>
@@ -731,7 +800,7 @@
           <a:p>
             <a:fld id="{BED85869-0ED0-4E7E-B44B-1674EAB1F897}" type="datetimeFigureOut">
               <a:rPr lang="en-IN" smtClean="0"/>
-              <a:t>01-12-2018</a:t>
+              <a:t>02-12-2018</a:t>
             </a:fld>
             <a:endParaRPr lang="en-IN"/>
           </a:p>
@@ -901,7 +970,7 @@
           <a:p>
             <a:fld id="{BED85869-0ED0-4E7E-B44B-1674EAB1F897}" type="datetimeFigureOut">
               <a:rPr lang="en-IN" smtClean="0"/>
-              <a:t>01-12-2018</a:t>
+              <a:t>02-12-2018</a:t>
             </a:fld>
             <a:endParaRPr lang="en-IN"/>
           </a:p>
@@ -1081,7 +1150,7 @@
           <a:p>
             <a:fld id="{BED85869-0ED0-4E7E-B44B-1674EAB1F897}" type="datetimeFigureOut">
               <a:rPr lang="en-IN" smtClean="0"/>
-              <a:t>01-12-2018</a:t>
+              <a:t>02-12-2018</a:t>
             </a:fld>
             <a:endParaRPr lang="en-IN"/>
           </a:p>
@@ -1251,7 +1320,7 @@
           <a:p>
             <a:fld id="{BED85869-0ED0-4E7E-B44B-1674EAB1F897}" type="datetimeFigureOut">
               <a:rPr lang="en-IN" smtClean="0"/>
-              <a:t>01-12-2018</a:t>
+              <a:t>02-12-2018</a:t>
             </a:fld>
             <a:endParaRPr lang="en-IN"/>
           </a:p>
@@ -1497,7 +1566,7 @@
           <a:p>
             <a:fld id="{BED85869-0ED0-4E7E-B44B-1674EAB1F897}" type="datetimeFigureOut">
               <a:rPr lang="en-IN" smtClean="0"/>
-              <a:t>01-12-2018</a:t>
+              <a:t>02-12-2018</a:t>
             </a:fld>
             <a:endParaRPr lang="en-IN"/>
           </a:p>
@@ -1785,7 +1854,7 @@
           <a:p>
             <a:fld id="{BED85869-0ED0-4E7E-B44B-1674EAB1F897}" type="datetimeFigureOut">
               <a:rPr lang="en-IN" smtClean="0"/>
-              <a:t>01-12-2018</a:t>
+              <a:t>02-12-2018</a:t>
             </a:fld>
             <a:endParaRPr lang="en-IN"/>
           </a:p>
@@ -2207,7 +2276,7 @@
           <a:p>
             <a:fld id="{BED85869-0ED0-4E7E-B44B-1674EAB1F897}" type="datetimeFigureOut">
               <a:rPr lang="en-IN" smtClean="0"/>
-              <a:t>01-12-2018</a:t>
+              <a:t>02-12-2018</a:t>
             </a:fld>
             <a:endParaRPr lang="en-IN"/>
           </a:p>
@@ -2325,7 +2394,7 @@
           <a:p>
             <a:fld id="{BED85869-0ED0-4E7E-B44B-1674EAB1F897}" type="datetimeFigureOut">
               <a:rPr lang="en-IN" smtClean="0"/>
-              <a:t>01-12-2018</a:t>
+              <a:t>02-12-2018</a:t>
             </a:fld>
             <a:endParaRPr lang="en-IN"/>
           </a:p>
@@ -2420,7 +2489,7 @@
           <a:p>
             <a:fld id="{BED85869-0ED0-4E7E-B44B-1674EAB1F897}" type="datetimeFigureOut">
               <a:rPr lang="en-IN" smtClean="0"/>
-              <a:t>01-12-2018</a:t>
+              <a:t>02-12-2018</a:t>
             </a:fld>
             <a:endParaRPr lang="en-IN"/>
           </a:p>
@@ -2697,7 +2766,7 @@
           <a:p>
             <a:fld id="{BED85869-0ED0-4E7E-B44B-1674EAB1F897}" type="datetimeFigureOut">
               <a:rPr lang="en-IN" smtClean="0"/>
-              <a:t>01-12-2018</a:t>
+              <a:t>02-12-2018</a:t>
             </a:fld>
             <a:endParaRPr lang="en-IN"/>
           </a:p>
@@ -2950,7 +3019,7 @@
           <a:p>
             <a:fld id="{BED85869-0ED0-4E7E-B44B-1674EAB1F897}" type="datetimeFigureOut">
               <a:rPr lang="en-IN" smtClean="0"/>
-              <a:t>01-12-2018</a:t>
+              <a:t>02-12-2018</a:t>
             </a:fld>
             <a:endParaRPr lang="en-IN"/>
           </a:p>
@@ -3163,7 +3232,7 @@
           <a:p>
             <a:fld id="{BED85869-0ED0-4E7E-B44B-1674EAB1F897}" type="datetimeFigureOut">
               <a:rPr lang="en-IN" smtClean="0"/>
-              <a:t>01-12-2018</a:t>
+              <a:t>02-12-2018</a:t>
             </a:fld>
             <a:endParaRPr lang="en-IN"/>
           </a:p>
@@ -3706,13 +3775,13 @@
   <p:clrMapOvr>
     <a:masterClrMapping/>
   </p:clrMapOvr>
-  <mc:AlternateContent xmlns:mc="http://schemas.openxmlformats.org/markup-compatibility/2006">
-    <mc:Choice xmlns:p14="http://schemas.microsoft.com/office/powerpoint/2010/main" Requires="p14">
+  <mc:AlternateContent xmlns:mc="http://schemas.openxmlformats.org/markup-compatibility/2006" xmlns:p14="http://schemas.microsoft.com/office/powerpoint/2010/main">
+    <mc:Choice Requires="p14">
       <p:transition spd="med" p14:dur="700">
         <p:fade/>
       </p:transition>
     </mc:Choice>
-    <mc:Fallback>
+    <mc:Fallback xmlns="">
       <p:transition spd="med">
         <p:fade/>
       </p:transition>
@@ -3887,15 +3956,7 @@
           <a:p>
             <a:r>
               <a:rPr lang="en-US" dirty="0" smtClean="0"/>
-              <a:t>Why Medical Prescription </a:t>
-            </a:r>
-            <a:r>
-              <a:rPr lang="en-US" dirty="0" err="1" smtClean="0"/>
-              <a:t>Webapp</a:t>
-            </a:r>
-            <a:r>
-              <a:rPr lang="en-US" dirty="0" smtClean="0"/>
-              <a:t>?</a:t>
+              <a:t>Why Prescription Abuse Prevention?</a:t>
             </a:r>
             <a:endParaRPr lang="en-IN" dirty="0"/>
           </a:p>
@@ -3914,12 +3975,12 @@
         <p:spPr>
           <a:xfrm>
             <a:off x="457200" y="1600200"/>
-            <a:ext cx="4402832" cy="4525963"/>
+            <a:ext cx="5050904" cy="4709120"/>
           </a:xfrm>
         </p:spPr>
         <p:txBody>
           <a:bodyPr>
-            <a:normAutofit fontScale="62500" lnSpcReduction="20000"/>
+            <a:normAutofit fontScale="92500" lnSpcReduction="10000"/>
           </a:bodyPr>
           <a:lstStyle/>
           <a:p>
@@ -3928,29 +3989,74 @@
             </a:pPr>
             <a:r>
               <a:rPr lang="en-IN" dirty="0" smtClean="0"/>
-              <a:t>Patients are using medical prescription to get medications beyond the intended dosage . Due to </a:t>
-            </a:r>
-            <a:r>
-              <a:rPr lang="en-US" dirty="0" smtClean="0"/>
-              <a:t>lack of awareness of </a:t>
-            </a:r>
-            <a:r>
-              <a:rPr lang="en-US" dirty="0"/>
-              <a:t>patients and in hew of making more business, chemists have been selling </a:t>
-            </a:r>
-            <a:r>
-              <a:rPr lang="en-US" dirty="0" smtClean="0"/>
-              <a:t>duplicate </a:t>
-            </a:r>
-            <a:r>
-              <a:rPr lang="en-US" dirty="0"/>
-              <a:t>medicines with salts not in compliance with medical prescription. This abuse prevails in various forms to make extra margin, shopkeeper sells costlier medicine varying with brand prescribed.</a:t>
-            </a:r>
-            <a:r>
+              <a:t>Beyond Intended Dosage</a:t>
+            </a:r>
+            <a:br>
               <a:rPr lang="en-IN" dirty="0" smtClean="0"/>
-              <a:t>This not only reduces the effectiveness of treatment and increase side effects but also leads to huge loses on insurance companies. How to detect or prevent this abuse? </a:t>
-            </a:r>
-            <a:endParaRPr lang="en-IN" dirty="0"/>
+            </a:br>
+            <a:r>
+              <a:rPr lang="en-IN" dirty="0" smtClean="0"/>
+              <a:t>Fraudulent Prescriptions</a:t>
+            </a:r>
+          </a:p>
+          <a:p>
+            <a:pPr marL="0" indent="0">
+              <a:buNone/>
+            </a:pPr>
+            <a:r>
+              <a:rPr lang="en-IN" dirty="0" smtClean="0"/>
+              <a:t>Duplicate Selling</a:t>
+            </a:r>
+          </a:p>
+          <a:p>
+            <a:pPr marL="0" indent="0">
+              <a:buNone/>
+            </a:pPr>
+            <a:r>
+              <a:rPr lang="en-IN" dirty="0" smtClean="0"/>
+              <a:t>Doctor Shopping</a:t>
+            </a:r>
+          </a:p>
+          <a:p>
+            <a:pPr marL="0" indent="0">
+              <a:buNone/>
+            </a:pPr>
+            <a:endParaRPr lang="en-IN" dirty="0" smtClean="0"/>
+          </a:p>
+          <a:p>
+            <a:pPr marL="0" indent="0">
+              <a:buNone/>
+            </a:pPr>
+            <a:r>
+              <a:rPr lang="en-IN" dirty="0" smtClean="0"/>
+              <a:t>Side </a:t>
+            </a:r>
+            <a:r>
+              <a:rPr lang="en-IN" dirty="0" smtClean="0"/>
+              <a:t>Effects – Nausea, Dizziness, Insomnia, Weight, Headaches like Anti </a:t>
+            </a:r>
+            <a:r>
+              <a:rPr lang="en-IN" dirty="0" err="1" smtClean="0"/>
+              <a:t>Depressents</a:t>
+            </a:r>
+            <a:r>
+              <a:rPr lang="en-IN" dirty="0" smtClean="0"/>
+              <a:t>, </a:t>
+            </a:r>
+            <a:r>
+              <a:rPr lang="en-IN" dirty="0" err="1" smtClean="0"/>
+              <a:t>HDrugs</a:t>
+            </a:r>
+            <a:endParaRPr lang="en-IN" dirty="0" smtClean="0"/>
+          </a:p>
+          <a:p>
+            <a:pPr marL="0" indent="0">
+              <a:buNone/>
+            </a:pPr>
+            <a:r>
+              <a:rPr lang="en-IN" dirty="0" smtClean="0"/>
+              <a:t>Insurance Company Loss</a:t>
+            </a:r>
           </a:p>
         </p:txBody>
       </p:sp>
@@ -4027,13 +4133,13 @@
   <p:clrMapOvr>
     <a:masterClrMapping/>
   </p:clrMapOvr>
-  <mc:AlternateContent xmlns:mc="http://schemas.openxmlformats.org/markup-compatibility/2006">
-    <mc:Choice xmlns:p14="http://schemas.microsoft.com/office/powerpoint/2010/main" Requires="p14">
+  <mc:AlternateContent xmlns:mc="http://schemas.openxmlformats.org/markup-compatibility/2006" xmlns:p14="http://schemas.microsoft.com/office/powerpoint/2010/main">
+    <mc:Choice Requires="p14">
       <p:transition spd="slow" p14:dur="1100">
         <p14:switch dir="r"/>
       </p:transition>
     </mc:Choice>
-    <mc:Fallback>
+    <mc:Fallback xmlns="">
       <p:transition spd="slow">
         <p:fade/>
       </p:transition>
@@ -4121,6 +4227,202 @@
                                           <p:spTgt spid="3">
                                             <p:txEl>
                                               <p:pRg st="0" end="0"/>
+                                            </p:txEl>
+                                          </p:spTgt>
+                                        </p:tgtEl>
+                                        <p:attrNameLst>
+                                          <p:attrName>style.visibility</p:attrName>
+                                        </p:attrNameLst>
+                                      </p:cBhvr>
+                                      <p:to>
+                                        <p:strVal val="visible"/>
+                                      </p:to>
+                                    </p:set>
+                                  </p:childTnLst>
+                                </p:cTn>
+                              </p:par>
+                            </p:childTnLst>
+                          </p:cTn>
+                        </p:par>
+                      </p:childTnLst>
+                    </p:cTn>
+                  </p:par>
+                  <p:par>
+                    <p:cTn id="11" fill="hold">
+                      <p:stCondLst>
+                        <p:cond delay="indefinite"/>
+                      </p:stCondLst>
+                      <p:childTnLst>
+                        <p:par>
+                          <p:cTn id="12" fill="hold">
+                            <p:stCondLst>
+                              <p:cond delay="0"/>
+                            </p:stCondLst>
+                            <p:childTnLst>
+                              <p:par>
+                                <p:cTn id="13" presetID="1" presetClass="entr" presetSubtype="0" fill="hold" grpId="0" nodeType="clickEffect">
+                                  <p:stCondLst>
+                                    <p:cond delay="0"/>
+                                  </p:stCondLst>
+                                  <p:childTnLst>
+                                    <p:set>
+                                      <p:cBhvr>
+                                        <p:cTn id="14" dur="1" fill="hold">
+                                          <p:stCondLst>
+                                            <p:cond delay="0"/>
+                                          </p:stCondLst>
+                                        </p:cTn>
+                                        <p:tgtEl>
+                                          <p:spTgt spid="3">
+                                            <p:txEl>
+                                              <p:pRg st="1" end="1"/>
+                                            </p:txEl>
+                                          </p:spTgt>
+                                        </p:tgtEl>
+                                        <p:attrNameLst>
+                                          <p:attrName>style.visibility</p:attrName>
+                                        </p:attrNameLst>
+                                      </p:cBhvr>
+                                      <p:to>
+                                        <p:strVal val="visible"/>
+                                      </p:to>
+                                    </p:set>
+                                  </p:childTnLst>
+                                </p:cTn>
+                              </p:par>
+                            </p:childTnLst>
+                          </p:cTn>
+                        </p:par>
+                      </p:childTnLst>
+                    </p:cTn>
+                  </p:par>
+                  <p:par>
+                    <p:cTn id="15" fill="hold">
+                      <p:stCondLst>
+                        <p:cond delay="indefinite"/>
+                      </p:stCondLst>
+                      <p:childTnLst>
+                        <p:par>
+                          <p:cTn id="16" fill="hold">
+                            <p:stCondLst>
+                              <p:cond delay="0"/>
+                            </p:stCondLst>
+                            <p:childTnLst>
+                              <p:par>
+                                <p:cTn id="17" presetID="1" presetClass="entr" presetSubtype="0" fill="hold" grpId="0" nodeType="clickEffect">
+                                  <p:stCondLst>
+                                    <p:cond delay="0"/>
+                                  </p:stCondLst>
+                                  <p:childTnLst>
+                                    <p:set>
+                                      <p:cBhvr>
+                                        <p:cTn id="18" dur="1" fill="hold">
+                                          <p:stCondLst>
+                                            <p:cond delay="0"/>
+                                          </p:stCondLst>
+                                        </p:cTn>
+                                        <p:tgtEl>
+                                          <p:spTgt spid="3">
+                                            <p:txEl>
+                                              <p:pRg st="2" end="2"/>
+                                            </p:txEl>
+                                          </p:spTgt>
+                                        </p:tgtEl>
+                                        <p:attrNameLst>
+                                          <p:attrName>style.visibility</p:attrName>
+                                        </p:attrNameLst>
+                                      </p:cBhvr>
+                                      <p:to>
+                                        <p:strVal val="visible"/>
+                                      </p:to>
+                                    </p:set>
+                                  </p:childTnLst>
+                                </p:cTn>
+                              </p:par>
+                            </p:childTnLst>
+                          </p:cTn>
+                        </p:par>
+                      </p:childTnLst>
+                    </p:cTn>
+                  </p:par>
+                  <p:par>
+                    <p:cTn id="19" fill="hold">
+                      <p:stCondLst>
+                        <p:cond delay="indefinite"/>
+                      </p:stCondLst>
+                      <p:childTnLst>
+                        <p:par>
+                          <p:cTn id="20" fill="hold">
+                            <p:stCondLst>
+                              <p:cond delay="0"/>
+                            </p:stCondLst>
+                            <p:childTnLst>
+                              <p:par>
+                                <p:cTn id="21" presetID="1" presetClass="entr" presetSubtype="0" fill="hold" grpId="0" nodeType="clickEffect">
+                                  <p:stCondLst>
+                                    <p:cond delay="0"/>
+                                  </p:stCondLst>
+                                  <p:childTnLst>
+                                    <p:set>
+                                      <p:cBhvr>
+                                        <p:cTn id="22" dur="1" fill="hold">
+                                          <p:stCondLst>
+                                            <p:cond delay="0"/>
+                                          </p:stCondLst>
+                                        </p:cTn>
+                                        <p:tgtEl>
+                                          <p:spTgt spid="3">
+                                            <p:txEl>
+                                              <p:pRg st="4" end="4"/>
+                                            </p:txEl>
+                                          </p:spTgt>
+                                        </p:tgtEl>
+                                        <p:attrNameLst>
+                                          <p:attrName>style.visibility</p:attrName>
+                                        </p:attrNameLst>
+                                      </p:cBhvr>
+                                      <p:to>
+                                        <p:strVal val="visible"/>
+                                      </p:to>
+                                    </p:set>
+                                  </p:childTnLst>
+                                </p:cTn>
+                              </p:par>
+                            </p:childTnLst>
+                          </p:cTn>
+                        </p:par>
+                      </p:childTnLst>
+                    </p:cTn>
+                  </p:par>
+                  <p:par>
+                    <p:cTn id="23" fill="hold">
+                      <p:stCondLst>
+                        <p:cond delay="indefinite"/>
+                      </p:stCondLst>
+                      <p:childTnLst>
+                        <p:par>
+                          <p:cTn id="24" fill="hold">
+                            <p:stCondLst>
+                              <p:cond delay="0"/>
+                            </p:stCondLst>
+                            <p:childTnLst>
+                              <p:par>
+                                <p:cTn id="25" presetID="1" presetClass="entr" presetSubtype="0" fill="hold" grpId="0" nodeType="clickEffect">
+                                  <p:stCondLst>
+                                    <p:cond delay="0"/>
+                                  </p:stCondLst>
+                                  <p:childTnLst>
+                                    <p:set>
+                                      <p:cBhvr>
+                                        <p:cTn id="26" dur="1" fill="hold">
+                                          <p:stCondLst>
+                                            <p:cond delay="0"/>
+                                          </p:stCondLst>
+                                        </p:cTn>
+                                        <p:tgtEl>
+                                          <p:spTgt spid="3">
+                                            <p:txEl>
+                                              <p:pRg st="5" end="5"/>
                                             </p:txEl>
                                           </p:spTgt>
                                         </p:tgtEl>
@@ -4485,7 +4787,7 @@
         </p:spPr>
         <p:txBody>
           <a:bodyPr>
-            <a:normAutofit/>
+            <a:normAutofit lnSpcReduction="10000"/>
           </a:bodyPr>
           <a:lstStyle/>
           <a:p>
@@ -4495,40 +4797,70 @@
             </a:r>
             <a:r>
               <a:rPr lang="en-US" sz="2400" dirty="0" smtClean="0"/>
-              <a:t>octor enters his credentials</a:t>
+              <a:t>octor enters prescriptions</a:t>
             </a:r>
           </a:p>
           <a:p>
             <a:r>
               <a:rPr lang="en-US" sz="2400" dirty="0" smtClean="0"/>
-              <a:t>Diagnoses patient, provides prescription</a:t>
+              <a:t>Generates Unique &lt;Visit ID&gt;</a:t>
             </a:r>
           </a:p>
           <a:p>
             <a:r>
               <a:rPr lang="en-US" sz="2400" dirty="0" smtClean="0"/>
-              <a:t>Chemist updates with medicine granted on given prescription</a:t>
+              <a:t>&lt;Visit ID&gt; is submitted to pharmacy.</a:t>
             </a:r>
           </a:p>
           <a:p>
             <a:r>
               <a:rPr lang="en-US" sz="2400" dirty="0" smtClean="0"/>
-              <a:t>Doctor is updated with medicine granted/medicine not available.</a:t>
-            </a:r>
-          </a:p>
-          <a:p>
+              <a:t>Medicines prescribed in visit are provided and same is updated</a:t>
+            </a:r>
+          </a:p>
+          <a:p>
+            <a:pPr marL="0" indent="0">
+              <a:buNone/>
+            </a:pPr>
+            <a:endParaRPr lang="en-US" sz="2400" dirty="0"/>
+          </a:p>
+          <a:p>
+            <a:pPr marL="0" indent="0">
+              <a:buNone/>
+            </a:pPr>
             <a:r>
               <a:rPr lang="en-US" sz="2400" dirty="0" smtClean="0"/>
-              <a:t>If Insured, Amount deduces from patient’s account.</a:t>
-            </a:r>
-          </a:p>
-          <a:p>
+              <a:t>Control:</a:t>
+            </a:r>
+          </a:p>
+          <a:p>
+            <a:pPr marL="0" indent="0">
+              <a:buNone/>
+            </a:pPr>
             <a:r>
               <a:rPr lang="en-US" sz="2400" dirty="0" smtClean="0"/>
-              <a:t>Patient receives history of all prescriptions</a:t>
-            </a:r>
-          </a:p>
-          <a:p>
+              <a:t>Unique &lt;Visit ID&gt; helps to avoid duplicate prescriptions or fraudulent prescription or prescription falsifications.</a:t>
+            </a:r>
+          </a:p>
+          <a:p>
+            <a:pPr marL="0" indent="0">
+              <a:buNone/>
+            </a:pPr>
+            <a:endParaRPr lang="en-US" sz="2400" dirty="0" smtClean="0"/>
+          </a:p>
+          <a:p>
+            <a:pPr marL="0" indent="0">
+              <a:buNone/>
+            </a:pPr>
+            <a:r>
+              <a:rPr lang="en-US" sz="2400" dirty="0" smtClean="0"/>
+              <a:t>&lt;Visit History&gt; is prevented and doctor shopping can be noticed.</a:t>
+            </a:r>
+          </a:p>
+          <a:p>
+            <a:pPr marL="0" indent="0">
+              <a:buNone/>
+            </a:pPr>
             <a:endParaRPr lang="en-US" dirty="0" smtClean="0"/>
           </a:p>
           <a:p>
@@ -4609,13 +4941,13 @@
   <p:clrMapOvr>
     <a:masterClrMapping/>
   </p:clrMapOvr>
-  <mc:AlternateContent xmlns:mc="http://schemas.openxmlformats.org/markup-compatibility/2006">
-    <mc:Choice xmlns:p14="http://schemas.microsoft.com/office/powerpoint/2010/main" Requires="p14">
+  <mc:AlternateContent xmlns:mc="http://schemas.openxmlformats.org/markup-compatibility/2006" xmlns:p14="http://schemas.microsoft.com/office/powerpoint/2010/main">
+    <mc:Choice Requires="p14">
       <p:transition spd="slow" p14:dur="3400">
         <p14:reveal/>
       </p:transition>
     </mc:Choice>
-    <mc:Fallback>
+    <mc:Fallback xmlns="">
       <p:transition spd="slow">
         <p:fade/>
       </p:transition>
@@ -4685,6 +5017,53 @@
         <p:txBody>
           <a:bodyPr/>
           <a:lstStyle/>
+          <a:p>
+            <a:r>
+              <a:rPr lang="en-IN" dirty="0" smtClean="0"/>
+              <a:t>Spring Integration allows to scale to Android/IOS</a:t>
+            </a:r>
+          </a:p>
+          <a:p>
+            <a:r>
+              <a:rPr lang="en-IN" dirty="0" smtClean="0"/>
+              <a:t>Chat functionality can be </a:t>
+            </a:r>
+            <a:r>
+              <a:rPr lang="en-IN" dirty="0" smtClean="0"/>
+              <a:t>added.</a:t>
+            </a:r>
+          </a:p>
+          <a:p>
+            <a:r>
+              <a:rPr lang="en-IN" dirty="0"/>
+              <a:t>Connection</a:t>
+            </a:r>
+            <a:r>
+              <a:rPr lang="en-IN" dirty="0" smtClean="0"/>
+              <a:t> to Insurance department</a:t>
+            </a:r>
+          </a:p>
+          <a:p>
+            <a:r>
+              <a:rPr lang="en-IN" dirty="0" smtClean="0"/>
+              <a:t>Connection to Inventory System</a:t>
+            </a:r>
+          </a:p>
+          <a:p>
+            <a:r>
+              <a:rPr lang="en-IN" dirty="0" smtClean="0"/>
+              <a:t>Reason for </a:t>
+            </a:r>
+            <a:r>
+              <a:rPr lang="en-IN" dirty="0" err="1" smtClean="0"/>
+              <a:t>reproviding</a:t>
+            </a:r>
+            <a:r>
+              <a:rPr lang="en-IN" dirty="0" smtClean="0"/>
+              <a:t> </a:t>
+            </a:r>
+            <a:endParaRPr lang="en-IN" dirty="0" smtClean="0"/>
+          </a:p>
           <a:p>
             <a:endParaRPr lang="en-IN" dirty="0"/>
           </a:p>
@@ -4733,13 +5112,13 @@
   <p:clrMapOvr>
     <a:masterClrMapping/>
   </p:clrMapOvr>
-  <mc:AlternateContent xmlns:mc="http://schemas.openxmlformats.org/markup-compatibility/2006">
-    <mc:Choice xmlns:p14="http://schemas.microsoft.com/office/powerpoint/2010/main" Requires="p14">
+  <mc:AlternateContent xmlns:mc="http://schemas.openxmlformats.org/markup-compatibility/2006" xmlns:p14="http://schemas.microsoft.com/office/powerpoint/2010/main">
+    <mc:Choice Requires="p14">
       <p:transition spd="slow" p14:dur="3400">
         <p14:reveal/>
       </p:transition>
     </mc:Choice>
-    <mc:Fallback>
+    <mc:Fallback xmlns="">
       <p:transition spd="slow">
         <p:fade/>
       </p:transition>
@@ -4807,37 +5186,82 @@
         </p:nvSpPr>
         <p:spPr/>
         <p:txBody>
-          <a:bodyPr/>
+          <a:bodyPr>
+            <a:normAutofit fontScale="92500" lnSpcReduction="20000"/>
+          </a:bodyPr>
           <a:lstStyle/>
           <a:p>
             <a:r>
+              <a:rPr lang="en-US" dirty="0" smtClean="0"/>
+              <a:t>Frontend</a:t>
+            </a:r>
+          </a:p>
+          <a:p>
+            <a:pPr lvl="1"/>
+            <a:r>
+              <a:rPr lang="en-US" dirty="0" smtClean="0"/>
+              <a:t>Angular </a:t>
+            </a:r>
+            <a:r>
+              <a:rPr lang="en-US" dirty="0" err="1" smtClean="0"/>
+              <a:t>js</a:t>
+            </a:r>
+            <a:endParaRPr lang="en-US" dirty="0" smtClean="0"/>
+          </a:p>
+          <a:p>
+            <a:pPr lvl="1"/>
+            <a:r>
+              <a:rPr lang="en-US" dirty="0" smtClean="0"/>
+              <a:t>Node.js</a:t>
+            </a:r>
+          </a:p>
+          <a:p>
+            <a:r>
+              <a:rPr lang="en-US" dirty="0" smtClean="0"/>
+              <a:t>Backend</a:t>
+            </a:r>
+          </a:p>
+          <a:p>
+            <a:pPr lvl="1"/>
+            <a:r>
               <a:rPr lang="en-US" dirty="0"/>
-              <a:t>JAVA 7/JAVA 8</a:t>
+              <a:t>JAVA 8</a:t>
+            </a:r>
+          </a:p>
+          <a:p>
+            <a:pPr lvl="1"/>
+            <a:r>
+              <a:rPr lang="en-US" dirty="0"/>
+              <a:t>Spring Integration</a:t>
+            </a:r>
+          </a:p>
+          <a:p>
+            <a:pPr lvl="1"/>
+            <a:r>
+              <a:rPr lang="en-US" dirty="0"/>
+              <a:t>Hibernate/JPA</a:t>
             </a:r>
             <a:endParaRPr lang="en-IN" dirty="0"/>
           </a:p>
           <a:p>
-            <a:r>
-              <a:rPr lang="en-US" dirty="0"/>
+            <a:pPr lvl="1"/>
+            <a:r>
+              <a:rPr lang="en-US" dirty="0" smtClean="0"/>
               <a:t>Apache-tomcat-8</a:t>
             </a:r>
+          </a:p>
+          <a:p>
+            <a:r>
+              <a:rPr lang="en-US" dirty="0" smtClean="0"/>
+              <a:t>Database</a:t>
+            </a:r>
             <a:endParaRPr lang="en-IN" dirty="0"/>
           </a:p>
           <a:p>
-            <a:r>
-              <a:rPr lang="en-US" dirty="0"/>
-              <a:t>Angular </a:t>
-            </a:r>
+            <a:pPr lvl="1"/>
             <a:r>
               <a:rPr lang="en-US" dirty="0" smtClean="0"/>
-              <a:t>JS 7</a:t>
-            </a:r>
-            <a:endParaRPr lang="en-IN" dirty="0"/>
-          </a:p>
-          <a:p>
-            <a:r>
-              <a:rPr lang="en-US" dirty="0"/>
-              <a:t>My SQL Workbench</a:t>
+              <a:t>My SQL</a:t>
             </a:r>
             <a:endParaRPr lang="en-IN" dirty="0"/>
           </a:p>
@@ -4886,13 +5310,13 @@
   <p:clrMapOvr>
     <a:masterClrMapping/>
   </p:clrMapOvr>
-  <mc:AlternateContent xmlns:mc="http://schemas.openxmlformats.org/markup-compatibility/2006">
-    <mc:Choice xmlns:p14="http://schemas.microsoft.com/office/powerpoint/2010/main" Requires="p14">
+  <mc:AlternateContent xmlns:mc="http://schemas.openxmlformats.org/markup-compatibility/2006" xmlns:p14="http://schemas.microsoft.com/office/powerpoint/2010/main">
+    <mc:Choice Requires="p14">
       <p:transition spd="slow" p14:dur="3400">
         <p14:reveal/>
       </p:transition>
     </mc:Choice>
-    <mc:Fallback>
+    <mc:Fallback xmlns="">
       <p:transition spd="slow">
         <p:fade/>
       </p:transition>
@@ -4997,13 +5421,13 @@
   <p:clrMapOvr>
     <a:masterClrMapping/>
   </p:clrMapOvr>
-  <mc:AlternateContent xmlns:mc="http://schemas.openxmlformats.org/markup-compatibility/2006">
-    <mc:Choice xmlns:p14="http://schemas.microsoft.com/office/powerpoint/2010/main" Requires="p14">
+  <mc:AlternateContent xmlns:mc="http://schemas.openxmlformats.org/markup-compatibility/2006" xmlns:p14="http://schemas.microsoft.com/office/powerpoint/2010/main">
+    <mc:Choice Requires="p14">
       <p:transition spd="slow" p14:dur="1500">
         <p14:window dir="vert"/>
       </p:transition>
     </mc:Choice>
-    <mc:Fallback>
+    <mc:Fallback xmlns="">
       <p:transition spd="slow">
         <p:fade/>
       </p:transition>
